--- a/Documentación/20-AlmacenamientoDeVotaciones-G1.pptx
+++ b/Documentación/20-AlmacenamientoDeVotaciones-G1.pptx
@@ -229,7 +229,7 @@
           <a:p>
             <a:fld id="{D2F06F4E-C7C2-4060-BD34-FD009590B0CE}" type="datetimeFigureOut">
               <a:rPr lang="es-ES" smtClean="0"/>
-              <a:t>13/12/2017</a:t>
+              <a:t>15/12/2017</a:t>
             </a:fld>
             <a:endParaRPr lang="es-ES"/>
           </a:p>
@@ -627,7 +627,7 @@
           <a:p>
             <a:fld id="{C923F1D8-FD0D-4851-8D17-C6FE9613529C}" type="datetime1">
               <a:rPr lang="en-GB" smtClean="0"/>
-              <a:t>13/12/2017</a:t>
+              <a:t>15/12/2017</a:t>
             </a:fld>
             <a:endParaRPr lang="en-GB"/>
           </a:p>
@@ -797,7 +797,7 @@
           <a:p>
             <a:fld id="{EB4FEB56-B338-4410-B0A4-298CEB5B0486}" type="datetime1">
               <a:rPr lang="en-GB" smtClean="0"/>
-              <a:t>13/12/2017</a:t>
+              <a:t>15/12/2017</a:t>
             </a:fld>
             <a:endParaRPr lang="en-GB"/>
           </a:p>
@@ -977,7 +977,7 @@
           <a:p>
             <a:fld id="{0C416F4C-B805-4A9B-AB76-0712C231BAD0}" type="datetime1">
               <a:rPr lang="en-GB" smtClean="0"/>
-              <a:t>13/12/2017</a:t>
+              <a:t>15/12/2017</a:t>
             </a:fld>
             <a:endParaRPr lang="en-GB"/>
           </a:p>
@@ -1147,7 +1147,7 @@
           <a:p>
             <a:fld id="{52887C19-F168-48A6-9354-8F51C7FB1CDD}" type="datetime1">
               <a:rPr lang="en-GB" smtClean="0"/>
-              <a:t>13/12/2017</a:t>
+              <a:t>15/12/2017</a:t>
             </a:fld>
             <a:endParaRPr lang="en-GB"/>
           </a:p>
@@ -1391,7 +1391,7 @@
           <a:p>
             <a:fld id="{C261100D-1D25-4A40-AF04-B2289E930F71}" type="datetime1">
               <a:rPr lang="en-GB" smtClean="0"/>
-              <a:t>13/12/2017</a:t>
+              <a:t>15/12/2017</a:t>
             </a:fld>
             <a:endParaRPr lang="en-GB"/>
           </a:p>
@@ -1623,7 +1623,7 @@
           <a:p>
             <a:fld id="{8643B887-FB4A-4359-AB72-EE40719A2D71}" type="datetime1">
               <a:rPr lang="en-GB" smtClean="0"/>
-              <a:t>13/12/2017</a:t>
+              <a:t>15/12/2017</a:t>
             </a:fld>
             <a:endParaRPr lang="en-GB"/>
           </a:p>
@@ -1990,7 +1990,7 @@
           <a:p>
             <a:fld id="{07B2D2B5-3F00-4822-B342-2F8D832CFCDC}" type="datetime1">
               <a:rPr lang="en-GB" smtClean="0"/>
-              <a:t>13/12/2017</a:t>
+              <a:t>15/12/2017</a:t>
             </a:fld>
             <a:endParaRPr lang="en-GB"/>
           </a:p>
@@ -2108,7 +2108,7 @@
           <a:p>
             <a:fld id="{E74B69B1-A618-4696-8CDE-F71886393B30}" type="datetime1">
               <a:rPr lang="en-GB" smtClean="0"/>
-              <a:t>13/12/2017</a:t>
+              <a:t>15/12/2017</a:t>
             </a:fld>
             <a:endParaRPr lang="en-GB"/>
           </a:p>
@@ -2203,7 +2203,7 @@
           <a:p>
             <a:fld id="{F827D881-FA37-4329-95DD-53BE809A8684}" type="datetime1">
               <a:rPr lang="en-GB" smtClean="0"/>
-              <a:t>13/12/2017</a:t>
+              <a:t>15/12/2017</a:t>
             </a:fld>
             <a:endParaRPr lang="en-GB"/>
           </a:p>
@@ -2480,7 +2480,7 @@
           <a:p>
             <a:fld id="{CF684C8B-5148-4CC1-8AC4-8A1B9F14B5A1}" type="datetime1">
               <a:rPr lang="en-GB" smtClean="0"/>
-              <a:t>13/12/2017</a:t>
+              <a:t>15/12/2017</a:t>
             </a:fld>
             <a:endParaRPr lang="en-GB"/>
           </a:p>
@@ -2737,7 +2737,7 @@
           <a:p>
             <a:fld id="{72A9FBB9-AD83-46A8-8FF3-A522E5D120A0}" type="datetime1">
               <a:rPr lang="en-GB" smtClean="0"/>
-              <a:t>13/12/2017</a:t>
+              <a:t>15/12/2017</a:t>
             </a:fld>
             <a:endParaRPr lang="en-GB"/>
           </a:p>
@@ -2952,7 +2952,7 @@
           <a:p>
             <a:fld id="{5F0EE089-2D7D-498E-A61D-B1FDE759BFF2}" type="datetime1">
               <a:rPr lang="en-GB" smtClean="0"/>
-              <a:t>13/12/2017</a:t>
+              <a:t>15/12/2017</a:t>
             </a:fld>
             <a:endParaRPr lang="en-GB"/>
           </a:p>
@@ -3692,36 +3692,6 @@
           </a:p>
         </p:txBody>
       </p:sp>
-      <p:pic>
-        <p:nvPicPr>
-          <p:cNvPr id="5" name="Imagen 4">
-            <a:extLst>
-              <a:ext uri="{FF2B5EF4-FFF2-40B4-BE49-F238E27FC236}">
-                <a16:creationId xmlns:a16="http://schemas.microsoft.com/office/drawing/2014/main" id="{B5218340-A3D1-4487-BFAB-0AC89A67C6AD}"/>
-              </a:ext>
-            </a:extLst>
-          </p:cNvPr>
-          <p:cNvPicPr>
-            <a:picLocks noChangeAspect="1"/>
-          </p:cNvPicPr>
-          <p:nvPr/>
-        </p:nvPicPr>
-        <p:blipFill>
-          <a:blip r:embed="rId2"/>
-          <a:stretch>
-            <a:fillRect/>
-          </a:stretch>
-        </p:blipFill>
-        <p:spPr>
-          <a:xfrm>
-            <a:off x="628650" y="136524"/>
-            <a:ext cx="7877942" cy="6414281"/>
-          </a:xfrm>
-          <a:prstGeom prst="rect">
-            <a:avLst/>
-          </a:prstGeom>
-        </p:spPr>
-      </p:pic>
       <p:sp>
         <p:nvSpPr>
           <p:cNvPr id="4" name="Marcador de número de diapositiva 3">
@@ -3830,7 +3800,7 @@
           <p:nvPr/>
         </p:nvPicPr>
         <p:blipFill>
-          <a:blip r:embed="rId3" cstate="print">
+          <a:blip r:embed="rId2" cstate="print">
             <a:extLst>
               <a:ext uri="{28A0092B-C50C-407E-A947-70E740481C1C}">
                 <a14:useLocalDpi xmlns:a14="http://schemas.microsoft.com/office/drawing/2010/main" val="0"/>
@@ -3845,6 +3815,96 @@
           <a:xfrm>
             <a:off x="3947729" y="194455"/>
             <a:ext cx="4572000" cy="843190"/>
+          </a:xfrm>
+          <a:prstGeom prst="rect">
+            <a:avLst/>
+          </a:prstGeom>
+        </p:spPr>
+      </p:pic>
+      <p:pic>
+        <p:nvPicPr>
+          <p:cNvPr id="7" name="Imagen 6">
+            <a:extLst>
+              <a:ext uri="{FF2B5EF4-FFF2-40B4-BE49-F238E27FC236}">
+                <a16:creationId xmlns:a16="http://schemas.microsoft.com/office/drawing/2014/main" id="{772EF89A-C9EF-49AF-B498-C90295C21C63}"/>
+              </a:ext>
+            </a:extLst>
+          </p:cNvPr>
+          <p:cNvPicPr>
+            <a:picLocks noChangeAspect="1"/>
+          </p:cNvPicPr>
+          <p:nvPr/>
+        </p:nvPicPr>
+        <p:blipFill>
+          <a:blip r:embed="rId3"/>
+          <a:stretch>
+            <a:fillRect/>
+          </a:stretch>
+        </p:blipFill>
+        <p:spPr>
+          <a:xfrm>
+            <a:off x="1014835" y="2053918"/>
+            <a:ext cx="3042841" cy="987233"/>
+          </a:xfrm>
+          <a:prstGeom prst="rect">
+            <a:avLst/>
+          </a:prstGeom>
+        </p:spPr>
+      </p:pic>
+      <p:pic>
+        <p:nvPicPr>
+          <p:cNvPr id="10" name="Imagen 9">
+            <a:extLst>
+              <a:ext uri="{FF2B5EF4-FFF2-40B4-BE49-F238E27FC236}">
+                <a16:creationId xmlns:a16="http://schemas.microsoft.com/office/drawing/2014/main" id="{5A01F067-AF25-409E-9ED3-DC30AD13F63E}"/>
+              </a:ext>
+            </a:extLst>
+          </p:cNvPr>
+          <p:cNvPicPr>
+            <a:picLocks noChangeAspect="1"/>
+          </p:cNvPicPr>
+          <p:nvPr/>
+        </p:nvPicPr>
+        <p:blipFill>
+          <a:blip r:embed="rId4"/>
+          <a:stretch>
+            <a:fillRect/>
+          </a:stretch>
+        </p:blipFill>
+        <p:spPr>
+          <a:xfrm>
+            <a:off x="5086325" y="1744671"/>
+            <a:ext cx="2450490" cy="2592960"/>
+          </a:xfrm>
+          <a:prstGeom prst="rect">
+            <a:avLst/>
+          </a:prstGeom>
+        </p:spPr>
+      </p:pic>
+      <p:pic>
+        <p:nvPicPr>
+          <p:cNvPr id="11" name="Imagen 10">
+            <a:extLst>
+              <a:ext uri="{FF2B5EF4-FFF2-40B4-BE49-F238E27FC236}">
+                <a16:creationId xmlns:a16="http://schemas.microsoft.com/office/drawing/2014/main" id="{76EF6733-9791-4087-A6DD-EA23B89818AB}"/>
+              </a:ext>
+            </a:extLst>
+          </p:cNvPr>
+          <p:cNvPicPr>
+            <a:picLocks noChangeAspect="1"/>
+          </p:cNvPicPr>
+          <p:nvPr/>
+        </p:nvPicPr>
+        <p:blipFill>
+          <a:blip r:embed="rId5"/>
+          <a:stretch>
+            <a:fillRect/>
+          </a:stretch>
+        </p:blipFill>
+        <p:spPr>
+          <a:xfrm>
+            <a:off x="1216094" y="4001294"/>
+            <a:ext cx="2731635" cy="2123523"/>
           </a:xfrm>
           <a:prstGeom prst="rect">
             <a:avLst/>
@@ -3990,10 +4050,10 @@
       </p:sp>
       <p:pic>
         <p:nvPicPr>
-          <p:cNvPr id="6" name="Imagen 5">
+          <p:cNvPr id="7" name="Imagen 6">
             <a:extLst>
               <a:ext uri="{FF2B5EF4-FFF2-40B4-BE49-F238E27FC236}">
-                <a16:creationId xmlns:a16="http://schemas.microsoft.com/office/drawing/2014/main" id="{B7DBBAA2-4324-4201-8423-19E66EEEFE7A}"/>
+                <a16:creationId xmlns:a16="http://schemas.microsoft.com/office/drawing/2014/main" id="{3D20780F-5F6B-47B1-9BEC-B4D74C30CDFD}"/>
               </a:ext>
             </a:extLst>
           </p:cNvPr>
@@ -4003,37 +4063,7 @@
           <p:nvPr/>
         </p:nvPicPr>
         <p:blipFill>
-          <a:blip r:embed="rId2"/>
-          <a:stretch>
-            <a:fillRect/>
-          </a:stretch>
-        </p:blipFill>
-        <p:spPr>
-          <a:xfrm>
-            <a:off x="784737" y="500398"/>
-            <a:ext cx="7574526" cy="6038515"/>
-          </a:xfrm>
-          <a:prstGeom prst="rect">
-            <a:avLst/>
-          </a:prstGeom>
-        </p:spPr>
-      </p:pic>
-      <p:pic>
-        <p:nvPicPr>
-          <p:cNvPr id="7" name="Imagen 6">
-            <a:extLst>
-              <a:ext uri="{FF2B5EF4-FFF2-40B4-BE49-F238E27FC236}">
-                <a16:creationId xmlns:a16="http://schemas.microsoft.com/office/drawing/2014/main" id="{3D20780F-5F6B-47B1-9BEC-B4D74C30CDFD}"/>
-              </a:ext>
-            </a:extLst>
-          </p:cNvPr>
-          <p:cNvPicPr>
-            <a:picLocks noChangeAspect="1"/>
-          </p:cNvPicPr>
-          <p:nvPr/>
-        </p:nvPicPr>
-        <p:blipFill>
-          <a:blip r:embed="rId3" cstate="print">
+          <a:blip r:embed="rId2" cstate="print">
             <a:extLst>
               <a:ext uri="{28A0092B-C50C-407E-A947-70E740481C1C}">
                 <a14:useLocalDpi xmlns:a14="http://schemas.microsoft.com/office/drawing/2010/main" val="0"/>
